--- a/editable/DKW-Logo.pptx
+++ b/editable/DKW-Logo.pptx
@@ -325,7 +325,7 @@
             <a:fld id="{1D8BD707-D9CF-40AE-B4C6-C98DA3205C09}" type="datetimeFigureOut">
               <a:rPr lang="en-US" smtClean="0"/>
               <a:pPr/>
-              <a:t>11/7/23</a:t>
+              <a:t>11/16/23</a:t>
             </a:fld>
             <a:endParaRPr lang="en-US"/>
           </a:p>
@@ -490,7 +490,7 @@
             <a:fld id="{1D8BD707-D9CF-40AE-B4C6-C98DA3205C09}" type="datetimeFigureOut">
               <a:rPr lang="en-US" smtClean="0"/>
               <a:pPr/>
-              <a:t>11/7/23</a:t>
+              <a:t>11/16/23</a:t>
             </a:fld>
             <a:endParaRPr lang="en-US"/>
           </a:p>
@@ -665,7 +665,7 @@
             <a:fld id="{1D8BD707-D9CF-40AE-B4C6-C98DA3205C09}" type="datetimeFigureOut">
               <a:rPr lang="en-US" smtClean="0"/>
               <a:pPr/>
-              <a:t>11/7/23</a:t>
+              <a:t>11/16/23</a:t>
             </a:fld>
             <a:endParaRPr lang="en-US"/>
           </a:p>
@@ -830,7 +830,7 @@
             <a:fld id="{1D8BD707-D9CF-40AE-B4C6-C98DA3205C09}" type="datetimeFigureOut">
               <a:rPr lang="en-US" smtClean="0"/>
               <a:pPr/>
-              <a:t>11/7/23</a:t>
+              <a:t>11/16/23</a:t>
             </a:fld>
             <a:endParaRPr lang="en-US"/>
           </a:p>
@@ -1072,7 +1072,7 @@
             <a:fld id="{1D8BD707-D9CF-40AE-B4C6-C98DA3205C09}" type="datetimeFigureOut">
               <a:rPr lang="en-US" smtClean="0"/>
               <a:pPr/>
-              <a:t>11/7/23</a:t>
+              <a:t>11/16/23</a:t>
             </a:fld>
             <a:endParaRPr lang="en-US"/>
           </a:p>
@@ -1354,7 +1354,7 @@
             <a:fld id="{1D8BD707-D9CF-40AE-B4C6-C98DA3205C09}" type="datetimeFigureOut">
               <a:rPr lang="en-US" smtClean="0"/>
               <a:pPr/>
-              <a:t>11/7/23</a:t>
+              <a:t>11/16/23</a:t>
             </a:fld>
             <a:endParaRPr lang="en-US"/>
           </a:p>
@@ -1770,7 +1770,7 @@
             <a:fld id="{1D8BD707-D9CF-40AE-B4C6-C98DA3205C09}" type="datetimeFigureOut">
               <a:rPr lang="en-US" smtClean="0"/>
               <a:pPr/>
-              <a:t>11/7/23</a:t>
+              <a:t>11/16/23</a:t>
             </a:fld>
             <a:endParaRPr lang="en-US"/>
           </a:p>
@@ -1884,7 +1884,7 @@
             <a:fld id="{1D8BD707-D9CF-40AE-B4C6-C98DA3205C09}" type="datetimeFigureOut">
               <a:rPr lang="en-US" smtClean="0"/>
               <a:pPr/>
-              <a:t>11/7/23</a:t>
+              <a:t>11/16/23</a:t>
             </a:fld>
             <a:endParaRPr lang="en-US"/>
           </a:p>
@@ -1976,7 +1976,7 @@
             <a:fld id="{1D8BD707-D9CF-40AE-B4C6-C98DA3205C09}" type="datetimeFigureOut">
               <a:rPr lang="en-US" smtClean="0"/>
               <a:pPr/>
-              <a:t>11/7/23</a:t>
+              <a:t>11/16/23</a:t>
             </a:fld>
             <a:endParaRPr lang="en-US"/>
           </a:p>
@@ -2248,7 +2248,7 @@
             <a:fld id="{1D8BD707-D9CF-40AE-B4C6-C98DA3205C09}" type="datetimeFigureOut">
               <a:rPr lang="en-US" smtClean="0"/>
               <a:pPr/>
-              <a:t>11/7/23</a:t>
+              <a:t>11/16/23</a:t>
             </a:fld>
             <a:endParaRPr lang="en-US"/>
           </a:p>
@@ -2497,7 +2497,7 @@
             <a:fld id="{1D8BD707-D9CF-40AE-B4C6-C98DA3205C09}" type="datetimeFigureOut">
               <a:rPr lang="en-US" smtClean="0"/>
               <a:pPr/>
-              <a:t>11/7/23</a:t>
+              <a:t>11/16/23</a:t>
             </a:fld>
             <a:endParaRPr lang="en-US"/>
           </a:p>
@@ -2705,7 +2705,7 @@
             <a:fld id="{1D8BD707-D9CF-40AE-B4C6-C98DA3205C09}" type="datetimeFigureOut">
               <a:rPr lang="en-US" smtClean="0"/>
               <a:pPr/>
-              <a:t>11/7/23</a:t>
+              <a:t>11/16/23</a:t>
             </a:fld>
             <a:endParaRPr lang="en-US"/>
           </a:p>
@@ -3076,12 +3076,402 @@
           <a:chExt cx="0" cy="0"/>
         </a:xfrm>
       </p:grpSpPr>
+      <p:pic>
+        <p:nvPicPr>
+          <p:cNvPr id="2" name="Picture 2"/>
+          <p:cNvPicPr>
+            <a:picLocks noChangeAspect="1"/>
+          </p:cNvPicPr>
+          <p:nvPr/>
+        </p:nvPicPr>
+        <p:blipFill>
+          <a:blip r:embed="rId2">
+            <a:extLst>
+              <a:ext uri="{28A0092B-C50C-407E-A947-70E740481C1C}">
+                <a14:useLocalDpi xmlns:a14="http://schemas.microsoft.com/office/drawing/2010/main" val="0"/>
+              </a:ext>
+              <a:ext uri="{96DAC541-7B7A-43D3-8B79-37D633B846F1}">
+                <asvg:svgBlip xmlns:asvg="http://schemas.microsoft.com/office/drawing/2016/SVG/main" r:embed="rId3"/>
+              </a:ext>
+            </a:extLst>
+          </a:blip>
+          <a:srcRect/>
+          <a:stretch>
+            <a:fillRect/>
+          </a:stretch>
+        </p:blipFill>
+        <p:spPr>
+          <a:xfrm>
+            <a:off x="2573730" y="1022163"/>
+            <a:ext cx="751902" cy="679137"/>
+          </a:xfrm>
+          <a:prstGeom prst="rect">
+            <a:avLst/>
+          </a:prstGeom>
+        </p:spPr>
+      </p:pic>
+      <p:sp>
+        <p:nvSpPr>
+          <p:cNvPr id="3" name="TextBox 3"/>
+          <p:cNvSpPr txBox="1"/>
+          <p:nvPr/>
+        </p:nvSpPr>
+        <p:spPr>
+          <a:xfrm>
+            <a:off x="451431" y="689405"/>
+            <a:ext cx="2548054" cy="1224438"/>
+          </a:xfrm>
+          <a:prstGeom prst="rect">
+            <a:avLst/>
+          </a:prstGeom>
+        </p:spPr>
+        <p:txBody>
+          <a:bodyPr lIns="0" tIns="0" rIns="0" bIns="0" rtlCol="0" anchor="t">
+            <a:spAutoFit/>
+          </a:bodyPr>
+          <a:lstStyle/>
+          <a:p>
+            <a:pPr>
+              <a:lnSpc>
+                <a:spcPts val="10662"/>
+              </a:lnSpc>
+            </a:pPr>
+            <a:r>
+              <a:rPr lang="en-US" sz="7615" dirty="0">
+                <a:solidFill>
+                  <a:srgbClr val="211A52"/>
+                </a:solidFill>
+                <a:latin typeface="Barlow Bold"/>
+              </a:rPr>
+              <a:t>D</a:t>
+            </a:r>
+            <a:r>
+              <a:rPr lang="en-US" sz="7615" dirty="0">
+                <a:solidFill>
+                  <a:srgbClr val="F46530"/>
+                </a:solidFill>
+                <a:latin typeface="Barlow Bold"/>
+              </a:rPr>
+              <a:t>K</a:t>
+            </a:r>
+            <a:r>
+              <a:rPr lang="en-US" sz="7615" dirty="0">
+                <a:solidFill>
+                  <a:srgbClr val="211A52"/>
+                </a:solidFill>
+                <a:latin typeface="Barlow Bold"/>
+              </a:rPr>
+              <a:t>W</a:t>
+            </a:r>
+          </a:p>
+        </p:txBody>
+      </p:sp>
+      <p:sp>
+        <p:nvSpPr>
+          <p:cNvPr id="4" name="TextBox 4"/>
+          <p:cNvSpPr txBox="1"/>
+          <p:nvPr/>
+        </p:nvSpPr>
+        <p:spPr>
+          <a:xfrm>
+            <a:off x="609068" y="1880152"/>
+            <a:ext cx="2606413" cy="286810"/>
+          </a:xfrm>
+          <a:prstGeom prst="rect">
+            <a:avLst/>
+          </a:prstGeom>
+        </p:spPr>
+        <p:txBody>
+          <a:bodyPr wrap="square" lIns="0" tIns="0" rIns="0" bIns="0" rtlCol="0" anchor="t">
+            <a:spAutoFit/>
+          </a:bodyPr>
+          <a:lstStyle/>
+          <a:p>
+            <a:pPr>
+              <a:lnSpc>
+                <a:spcPts val="2531"/>
+              </a:lnSpc>
+            </a:pPr>
+            <a:r>
+              <a:rPr lang="en-US" sz="1807" spc="46" dirty="0">
+                <a:solidFill>
+                  <a:srgbClr val="211A52"/>
+                </a:solidFill>
+                <a:latin typeface="Barlow Medium Bold"/>
+              </a:rPr>
+              <a:t>Data, </a:t>
+            </a:r>
+            <a:r>
+              <a:rPr lang="en-US" sz="1807" spc="46" dirty="0">
+                <a:solidFill>
+                  <a:srgbClr val="F4652F"/>
+                </a:solidFill>
+                <a:latin typeface="Barlow Medium Bold"/>
+              </a:rPr>
+              <a:t>K</a:t>
+            </a:r>
+            <a:r>
+              <a:rPr lang="en-US" sz="1807" spc="46" dirty="0">
+                <a:solidFill>
+                  <a:srgbClr val="211A52"/>
+                </a:solidFill>
+                <a:latin typeface="Barlow Medium Bold"/>
+              </a:rPr>
+              <a:t>nowledge &amp; Web </a:t>
+            </a:r>
+          </a:p>
+        </p:txBody>
+      </p:sp>
+      <p:sp>
+        <p:nvSpPr>
+          <p:cNvPr id="5" name="TextBox 5"/>
+          <p:cNvSpPr txBox="1"/>
+          <p:nvPr/>
+        </p:nvSpPr>
+        <p:spPr>
+          <a:xfrm>
+            <a:off x="702591" y="2163749"/>
+            <a:ext cx="2434993" cy="286810"/>
+          </a:xfrm>
+          <a:prstGeom prst="rect">
+            <a:avLst/>
+          </a:prstGeom>
+        </p:spPr>
+        <p:txBody>
+          <a:bodyPr wrap="square" lIns="0" tIns="0" rIns="0" bIns="0" rtlCol="0" anchor="t">
+            <a:spAutoFit/>
+          </a:bodyPr>
+          <a:lstStyle/>
+          <a:p>
+            <a:pPr algn="r">
+              <a:lnSpc>
+                <a:spcPts val="2531"/>
+              </a:lnSpc>
+            </a:pPr>
+            <a:r>
+              <a:rPr lang="en-US" sz="1807" dirty="0">
+                <a:solidFill>
+                  <a:srgbClr val="F46530"/>
+                </a:solidFill>
+                <a:latin typeface="Barlow Medium Bold"/>
+              </a:rPr>
+              <a:t>ENGINEERING</a:t>
+            </a:r>
+          </a:p>
+        </p:txBody>
+      </p:sp>
+      <p:pic>
+        <p:nvPicPr>
+          <p:cNvPr id="6" name="Picture 6"/>
+          <p:cNvPicPr>
+            <a:picLocks noChangeAspect="1"/>
+          </p:cNvPicPr>
+          <p:nvPr/>
+        </p:nvPicPr>
+        <p:blipFill>
+          <a:blip r:embed="rId4">
+            <a:extLst>
+              <a:ext uri="{28A0092B-C50C-407E-A947-70E740481C1C}">
+                <a14:useLocalDpi xmlns:a14="http://schemas.microsoft.com/office/drawing/2010/main" val="0"/>
+              </a:ext>
+              <a:ext uri="{96DAC541-7B7A-43D3-8B79-37D633B846F1}">
+                <asvg:svgBlip xmlns:asvg="http://schemas.microsoft.com/office/drawing/2016/SVG/main" r:embed="rId5"/>
+              </a:ext>
+            </a:extLst>
+          </a:blip>
+          <a:srcRect/>
+          <a:stretch>
+            <a:fillRect/>
+          </a:stretch>
+        </p:blipFill>
+        <p:spPr>
+          <a:xfrm rot="2200091">
+            <a:off x="1426238" y="2198477"/>
+            <a:ext cx="248883" cy="251080"/>
+          </a:xfrm>
+          <a:prstGeom prst="rect">
+            <a:avLst/>
+          </a:prstGeom>
+        </p:spPr>
+      </p:pic>
+      <p:sp>
+        <p:nvSpPr>
+          <p:cNvPr id="8" name="TextBox 8"/>
+          <p:cNvSpPr txBox="1"/>
+          <p:nvPr/>
+        </p:nvSpPr>
+        <p:spPr>
+          <a:xfrm>
+            <a:off x="905041" y="2539734"/>
+            <a:ext cx="2457095" cy="286810"/>
+          </a:xfrm>
+          <a:prstGeom prst="rect">
+            <a:avLst/>
+          </a:prstGeom>
+        </p:spPr>
+        <p:txBody>
+          <a:bodyPr lIns="0" tIns="0" rIns="0" bIns="0" rtlCol="0" anchor="t">
+            <a:spAutoFit/>
+          </a:bodyPr>
+          <a:lstStyle/>
+          <a:p>
+            <a:pPr>
+              <a:lnSpc>
+                <a:spcPts val="2531"/>
+              </a:lnSpc>
+            </a:pPr>
+            <a:r>
+              <a:rPr lang="en-US" sz="1807" dirty="0">
+                <a:solidFill>
+                  <a:srgbClr val="211A52"/>
+                </a:solidFill>
+                <a:latin typeface="Barlow Medium Bold"/>
+              </a:rPr>
+              <a:t>AALBORG UNIVERSITET</a:t>
+            </a:r>
+          </a:p>
+        </p:txBody>
+      </p:sp>
+      <p:sp>
+        <p:nvSpPr>
+          <p:cNvPr id="9" name="AutoShape 9"/>
+          <p:cNvSpPr/>
+          <p:nvPr/>
+        </p:nvSpPr>
+        <p:spPr>
+          <a:xfrm>
+            <a:off x="520117" y="2532161"/>
+            <a:ext cx="2871792" cy="0"/>
+          </a:xfrm>
+          <a:prstGeom prst="line">
+            <a:avLst/>
+          </a:prstGeom>
+          <a:ln w="9525" cap="rnd">
+            <a:solidFill>
+              <a:srgbClr val="D9D9D9"/>
+            </a:solidFill>
+            <a:prstDash val="solid"/>
+            <a:headEnd type="none" w="sm" len="sm"/>
+            <a:tailEnd type="none" w="sm" len="sm"/>
+          </a:ln>
+        </p:spPr>
+        <p:txBody>
+          <a:bodyPr/>
+          <a:lstStyle/>
+          <a:p>
+            <a:endParaRPr lang="en-US"/>
+          </a:p>
+        </p:txBody>
+      </p:sp>
+      <p:sp>
+        <p:nvSpPr>
+          <p:cNvPr id="10" name="AutoShape 10"/>
+          <p:cNvSpPr/>
+          <p:nvPr/>
+        </p:nvSpPr>
+        <p:spPr>
+          <a:xfrm>
+            <a:off x="520117" y="2871812"/>
+            <a:ext cx="2871792" cy="0"/>
+          </a:xfrm>
+          <a:prstGeom prst="line">
+            <a:avLst/>
+          </a:prstGeom>
+          <a:ln w="9525" cap="rnd">
+            <a:solidFill>
+              <a:srgbClr val="D9D9D9"/>
+            </a:solidFill>
+            <a:prstDash val="solid"/>
+            <a:headEnd type="none" w="sm" len="sm"/>
+            <a:tailEnd type="none" w="sm" len="sm"/>
+          </a:ln>
+        </p:spPr>
+        <p:txBody>
+          <a:bodyPr/>
+          <a:lstStyle/>
+          <a:p>
+            <a:endParaRPr lang="en-US"/>
+          </a:p>
+        </p:txBody>
+      </p:sp>
+      <p:pic>
+        <p:nvPicPr>
+          <p:cNvPr id="1026" name="Picture 2" descr="AAU - Viden for verden - Aalborg Universitet">
+            <a:extLst>
+              <a:ext uri="{FF2B5EF4-FFF2-40B4-BE49-F238E27FC236}">
+                <a16:creationId xmlns:a16="http://schemas.microsoft.com/office/drawing/2014/main" id="{58420F92-71A4-3681-71E0-EC15AEE95AD9}"/>
+              </a:ext>
+            </a:extLst>
+          </p:cNvPr>
+          <p:cNvPicPr>
+            <a:picLocks noChangeAspect="1" noChangeArrowheads="1"/>
+          </p:cNvPicPr>
+          <p:nvPr/>
+        </p:nvPicPr>
+        <p:blipFill>
+          <a:blip r:embed="rId6">
+            <a:extLst>
+              <a:ext uri="{28A0092B-C50C-407E-A947-70E740481C1C}">
+                <a14:useLocalDpi xmlns:a14="http://schemas.microsoft.com/office/drawing/2010/main" val="0"/>
+              </a:ext>
+            </a:extLst>
+          </a:blip>
+          <a:srcRect/>
+          <a:stretch>
+            <a:fillRect/>
+          </a:stretch>
+        </p:blipFill>
+        <p:spPr bwMode="auto">
+          <a:xfrm>
+            <a:off x="550192" y="2551590"/>
+            <a:ext cx="303090" cy="303090"/>
+          </a:xfrm>
+          <a:prstGeom prst="rect">
+            <a:avLst/>
+          </a:prstGeom>
+          <a:noFill/>
+          <a:extLst>
+            <a:ext uri="{909E8E84-426E-40DD-AFC4-6F175D3DCCD1}">
+              <a14:hiddenFill xmlns:a14="http://schemas.microsoft.com/office/drawing/2010/main">
+                <a:solidFill>
+                  <a:srgbClr val="FFFFFF"/>
+                </a:solidFill>
+              </a14:hiddenFill>
+            </a:ext>
+          </a:extLst>
+        </p:spPr>
+      </p:pic>
+    </p:spTree>
+  </p:cSld>
+  <p:clrMapOvr>
+    <a:masterClrMapping/>
+  </p:clrMapOvr>
+</p:sld>
+</file>
+
+<file path=ppt/slides/slide2.xml><?xml version="1.0" encoding="utf-8"?>
+<p:sld xmlns:a="http://schemas.openxmlformats.org/drawingml/2006/main" xmlns:r="http://schemas.openxmlformats.org/officeDocument/2006/relationships" xmlns:p="http://schemas.openxmlformats.org/presentationml/2006/main">
+  <p:cSld>
+    <p:spTree>
+      <p:nvGrpSpPr>
+        <p:cNvPr id="1" name=""/>
+        <p:cNvGrpSpPr/>
+        <p:nvPr/>
+      </p:nvGrpSpPr>
+      <p:grpSpPr>
+        <a:xfrm>
+          <a:off x="0" y="0"/>
+          <a:ext cx="0" cy="0"/>
+          <a:chOff x="0" y="0"/>
+          <a:chExt cx="0" cy="0"/>
+        </a:xfrm>
+      </p:grpSpPr>
       <p:grpSp>
         <p:nvGrpSpPr>
-          <p:cNvPr id="13" name="Group 12">
+          <p:cNvPr id="11" name="Group 10">
             <a:extLst>
               <a:ext uri="{FF2B5EF4-FFF2-40B4-BE49-F238E27FC236}">
-                <a16:creationId xmlns:a16="http://schemas.microsoft.com/office/drawing/2014/main" id="{3ECBFA5E-BF6D-C100-10B4-141B415C08EE}"/>
+                <a16:creationId xmlns:a16="http://schemas.microsoft.com/office/drawing/2014/main" id="{01E27DBB-2E4C-6424-75E9-45830964C94F}"/>
               </a:ext>
             </a:extLst>
           </p:cNvPr>
@@ -3091,9 +3481,9 @@
         <p:grpSpPr>
           <a:xfrm>
             <a:off x="451431" y="689405"/>
-            <a:ext cx="2940478" cy="2182734"/>
+            <a:ext cx="2940478" cy="2182407"/>
             <a:chOff x="451431" y="689405"/>
-            <a:chExt cx="2940478" cy="2182734"/>
+            <a:chExt cx="2940478" cy="2182407"/>
           </a:xfrm>
         </p:grpSpPr>
         <p:pic>
@@ -3314,406 +3704,6 @@
             </a:prstGeom>
           </p:spPr>
         </p:pic>
-        <p:pic>
-          <p:nvPicPr>
-            <p:cNvPr id="7" name="Picture 7"/>
-            <p:cNvPicPr>
-              <a:picLocks noChangeAspect="1"/>
-            </p:cNvPicPr>
-            <p:nvPr/>
-          </p:nvPicPr>
-          <p:blipFill>
-            <a:blip r:embed="rId6"/>
-            <a:srcRect l="26783" t="8571" r="29360" b="31948"/>
-            <a:stretch>
-              <a:fillRect/>
-            </a:stretch>
-          </p:blipFill>
-          <p:spPr>
-            <a:xfrm>
-              <a:off x="453596" y="2539740"/>
-              <a:ext cx="415085" cy="332399"/>
-            </a:xfrm>
-            <a:prstGeom prst="rect">
-              <a:avLst/>
-            </a:prstGeom>
-          </p:spPr>
-        </p:pic>
-        <p:sp>
-          <p:nvSpPr>
-            <p:cNvPr id="8" name="TextBox 8"/>
-            <p:cNvSpPr txBox="1"/>
-            <p:nvPr/>
-          </p:nvSpPr>
-          <p:spPr>
-            <a:xfrm>
-              <a:off x="905041" y="2539734"/>
-              <a:ext cx="2457095" cy="286810"/>
-            </a:xfrm>
-            <a:prstGeom prst="rect">
-              <a:avLst/>
-            </a:prstGeom>
-          </p:spPr>
-          <p:txBody>
-            <a:bodyPr lIns="0" tIns="0" rIns="0" bIns="0" rtlCol="0" anchor="t">
-              <a:spAutoFit/>
-            </a:bodyPr>
-            <a:lstStyle/>
-            <a:p>
-              <a:pPr>
-                <a:lnSpc>
-                  <a:spcPts val="2531"/>
-                </a:lnSpc>
-              </a:pPr>
-              <a:r>
-                <a:rPr lang="en-US" sz="1807" dirty="0">
-                  <a:solidFill>
-                    <a:srgbClr val="211A52"/>
-                  </a:solidFill>
-                  <a:latin typeface="Barlow Medium Bold"/>
-                </a:rPr>
-                <a:t>AALBORG UNIVERSITET</a:t>
-              </a:r>
-            </a:p>
-          </p:txBody>
-        </p:sp>
-        <p:sp>
-          <p:nvSpPr>
-            <p:cNvPr id="9" name="AutoShape 9"/>
-            <p:cNvSpPr/>
-            <p:nvPr/>
-          </p:nvSpPr>
-          <p:spPr>
-            <a:xfrm>
-              <a:off x="520117" y="2532161"/>
-              <a:ext cx="2871792" cy="0"/>
-            </a:xfrm>
-            <a:prstGeom prst="line">
-              <a:avLst/>
-            </a:prstGeom>
-            <a:ln w="9525" cap="rnd">
-              <a:solidFill>
-                <a:srgbClr val="D9D9D9"/>
-              </a:solidFill>
-              <a:prstDash val="solid"/>
-              <a:headEnd type="none" w="sm" len="sm"/>
-              <a:tailEnd type="none" w="sm" len="sm"/>
-            </a:ln>
-          </p:spPr>
-        </p:sp>
-        <p:sp>
-          <p:nvSpPr>
-            <p:cNvPr id="10" name="AutoShape 10"/>
-            <p:cNvSpPr/>
-            <p:nvPr/>
-          </p:nvSpPr>
-          <p:spPr>
-            <a:xfrm>
-              <a:off x="520117" y="2871812"/>
-              <a:ext cx="2871792" cy="0"/>
-            </a:xfrm>
-            <a:prstGeom prst="line">
-              <a:avLst/>
-            </a:prstGeom>
-            <a:ln w="9525" cap="rnd">
-              <a:solidFill>
-                <a:srgbClr val="D9D9D9"/>
-              </a:solidFill>
-              <a:prstDash val="solid"/>
-              <a:headEnd type="none" w="sm" len="sm"/>
-              <a:tailEnd type="none" w="sm" len="sm"/>
-            </a:ln>
-          </p:spPr>
-        </p:sp>
-      </p:grpSp>
-    </p:spTree>
-  </p:cSld>
-  <p:clrMapOvr>
-    <a:masterClrMapping/>
-  </p:clrMapOvr>
-</p:sld>
-</file>
-
-<file path=ppt/slides/slide2.xml><?xml version="1.0" encoding="utf-8"?>
-<p:sld xmlns:a="http://schemas.openxmlformats.org/drawingml/2006/main" xmlns:r="http://schemas.openxmlformats.org/officeDocument/2006/relationships" xmlns:p="http://schemas.openxmlformats.org/presentationml/2006/main">
-  <p:cSld>
-    <p:spTree>
-      <p:nvGrpSpPr>
-        <p:cNvPr id="1" name=""/>
-        <p:cNvGrpSpPr/>
-        <p:nvPr/>
-      </p:nvGrpSpPr>
-      <p:grpSpPr>
-        <a:xfrm>
-          <a:off x="0" y="0"/>
-          <a:ext cx="0" cy="0"/>
-          <a:chOff x="0" y="0"/>
-          <a:chExt cx="0" cy="0"/>
-        </a:xfrm>
-      </p:grpSpPr>
-      <p:grpSp>
-        <p:nvGrpSpPr>
-          <p:cNvPr id="11" name="Group 10">
-            <a:extLst>
-              <a:ext uri="{FF2B5EF4-FFF2-40B4-BE49-F238E27FC236}">
-                <a16:creationId xmlns:a16="http://schemas.microsoft.com/office/drawing/2014/main" id="{01E27DBB-2E4C-6424-75E9-45830964C94F}"/>
-              </a:ext>
-            </a:extLst>
-          </p:cNvPr>
-          <p:cNvGrpSpPr/>
-          <p:nvPr/>
-        </p:nvGrpSpPr>
-        <p:grpSpPr>
-          <a:xfrm>
-            <a:off x="451431" y="689405"/>
-            <a:ext cx="2940478" cy="2182734"/>
-            <a:chOff x="451431" y="689405"/>
-            <a:chExt cx="2940478" cy="2182734"/>
-          </a:xfrm>
-        </p:grpSpPr>
-        <p:pic>
-          <p:nvPicPr>
-            <p:cNvPr id="2" name="Picture 2"/>
-            <p:cNvPicPr>
-              <a:picLocks noChangeAspect="1"/>
-            </p:cNvPicPr>
-            <p:nvPr/>
-          </p:nvPicPr>
-          <p:blipFill>
-            <a:blip r:embed="rId2">
-              <a:extLst>
-                <a:ext uri="{28A0092B-C50C-407E-A947-70E740481C1C}">
-                  <a14:useLocalDpi xmlns:a14="http://schemas.microsoft.com/office/drawing/2010/main" val="0"/>
-                </a:ext>
-                <a:ext uri="{96DAC541-7B7A-43D3-8B79-37D633B846F1}">
-                  <asvg:svgBlip xmlns:asvg="http://schemas.microsoft.com/office/drawing/2016/SVG/main" r:embed="rId3"/>
-                </a:ext>
-              </a:extLst>
-            </a:blip>
-            <a:srcRect/>
-            <a:stretch>
-              <a:fillRect/>
-            </a:stretch>
-          </p:blipFill>
-          <p:spPr>
-            <a:xfrm>
-              <a:off x="2573730" y="1022163"/>
-              <a:ext cx="751902" cy="679137"/>
-            </a:xfrm>
-            <a:prstGeom prst="rect">
-              <a:avLst/>
-            </a:prstGeom>
-          </p:spPr>
-        </p:pic>
-        <p:sp>
-          <p:nvSpPr>
-            <p:cNvPr id="3" name="TextBox 3"/>
-            <p:cNvSpPr txBox="1"/>
-            <p:nvPr/>
-          </p:nvSpPr>
-          <p:spPr>
-            <a:xfrm>
-              <a:off x="451431" y="689405"/>
-              <a:ext cx="2548054" cy="1224438"/>
-            </a:xfrm>
-            <a:prstGeom prst="rect">
-              <a:avLst/>
-            </a:prstGeom>
-          </p:spPr>
-          <p:txBody>
-            <a:bodyPr lIns="0" tIns="0" rIns="0" bIns="0" rtlCol="0" anchor="t">
-              <a:spAutoFit/>
-            </a:bodyPr>
-            <a:lstStyle/>
-            <a:p>
-              <a:pPr>
-                <a:lnSpc>
-                  <a:spcPts val="10662"/>
-                </a:lnSpc>
-              </a:pPr>
-              <a:r>
-                <a:rPr lang="en-US" sz="7615" dirty="0">
-                  <a:solidFill>
-                    <a:srgbClr val="211A52"/>
-                  </a:solidFill>
-                  <a:latin typeface="Barlow Bold"/>
-                </a:rPr>
-                <a:t>D</a:t>
-              </a:r>
-              <a:r>
-                <a:rPr lang="en-US" sz="7615" dirty="0">
-                  <a:solidFill>
-                    <a:srgbClr val="F46530"/>
-                  </a:solidFill>
-                  <a:latin typeface="Barlow Bold"/>
-                </a:rPr>
-                <a:t>K</a:t>
-              </a:r>
-              <a:r>
-                <a:rPr lang="en-US" sz="7615" dirty="0">
-                  <a:solidFill>
-                    <a:srgbClr val="211A52"/>
-                  </a:solidFill>
-                  <a:latin typeface="Barlow Bold"/>
-                </a:rPr>
-                <a:t>W</a:t>
-              </a:r>
-            </a:p>
-          </p:txBody>
-        </p:sp>
-        <p:sp>
-          <p:nvSpPr>
-            <p:cNvPr id="4" name="TextBox 4"/>
-            <p:cNvSpPr txBox="1"/>
-            <p:nvPr/>
-          </p:nvSpPr>
-          <p:spPr>
-            <a:xfrm>
-              <a:off x="609068" y="1880152"/>
-              <a:ext cx="2606413" cy="286810"/>
-            </a:xfrm>
-            <a:prstGeom prst="rect">
-              <a:avLst/>
-            </a:prstGeom>
-          </p:spPr>
-          <p:txBody>
-            <a:bodyPr wrap="square" lIns="0" tIns="0" rIns="0" bIns="0" rtlCol="0" anchor="t">
-              <a:spAutoFit/>
-            </a:bodyPr>
-            <a:lstStyle/>
-            <a:p>
-              <a:pPr>
-                <a:lnSpc>
-                  <a:spcPts val="2531"/>
-                </a:lnSpc>
-              </a:pPr>
-              <a:r>
-                <a:rPr lang="en-US" sz="1807" spc="46" dirty="0">
-                  <a:solidFill>
-                    <a:srgbClr val="211A52"/>
-                  </a:solidFill>
-                  <a:latin typeface="Barlow Medium Bold"/>
-                </a:rPr>
-                <a:t>Data, </a:t>
-              </a:r>
-              <a:r>
-                <a:rPr lang="en-US" sz="1807" spc="46" dirty="0">
-                  <a:solidFill>
-                    <a:srgbClr val="F4652F"/>
-                  </a:solidFill>
-                  <a:latin typeface="Barlow Medium Bold"/>
-                </a:rPr>
-                <a:t>K</a:t>
-              </a:r>
-              <a:r>
-                <a:rPr lang="en-US" sz="1807" spc="46" dirty="0">
-                  <a:solidFill>
-                    <a:srgbClr val="211A52"/>
-                  </a:solidFill>
-                  <a:latin typeface="Barlow Medium Bold"/>
-                </a:rPr>
-                <a:t>nowledge &amp; Web </a:t>
-              </a:r>
-            </a:p>
-          </p:txBody>
-        </p:sp>
-        <p:sp>
-          <p:nvSpPr>
-            <p:cNvPr id="5" name="TextBox 5"/>
-            <p:cNvSpPr txBox="1"/>
-            <p:nvPr/>
-          </p:nvSpPr>
-          <p:spPr>
-            <a:xfrm>
-              <a:off x="702591" y="2163749"/>
-              <a:ext cx="2434993" cy="286810"/>
-            </a:xfrm>
-            <a:prstGeom prst="rect">
-              <a:avLst/>
-            </a:prstGeom>
-          </p:spPr>
-          <p:txBody>
-            <a:bodyPr wrap="square" lIns="0" tIns="0" rIns="0" bIns="0" rtlCol="0" anchor="t">
-              <a:spAutoFit/>
-            </a:bodyPr>
-            <a:lstStyle/>
-            <a:p>
-              <a:pPr algn="r">
-                <a:lnSpc>
-                  <a:spcPts val="2531"/>
-                </a:lnSpc>
-              </a:pPr>
-              <a:r>
-                <a:rPr lang="en-US" sz="1807" dirty="0">
-                  <a:solidFill>
-                    <a:srgbClr val="F46530"/>
-                  </a:solidFill>
-                  <a:latin typeface="Barlow Medium Bold"/>
-                </a:rPr>
-                <a:t>ENGINEERING</a:t>
-              </a:r>
-            </a:p>
-          </p:txBody>
-        </p:sp>
-        <p:pic>
-          <p:nvPicPr>
-            <p:cNvPr id="6" name="Picture 6"/>
-            <p:cNvPicPr>
-              <a:picLocks noChangeAspect="1"/>
-            </p:cNvPicPr>
-            <p:nvPr/>
-          </p:nvPicPr>
-          <p:blipFill>
-            <a:blip r:embed="rId4">
-              <a:extLst>
-                <a:ext uri="{28A0092B-C50C-407E-A947-70E740481C1C}">
-                  <a14:useLocalDpi xmlns:a14="http://schemas.microsoft.com/office/drawing/2010/main" val="0"/>
-                </a:ext>
-                <a:ext uri="{96DAC541-7B7A-43D3-8B79-37D633B846F1}">
-                  <asvg:svgBlip xmlns:asvg="http://schemas.microsoft.com/office/drawing/2016/SVG/main" r:embed="rId5"/>
-                </a:ext>
-              </a:extLst>
-            </a:blip>
-            <a:srcRect/>
-            <a:stretch>
-              <a:fillRect/>
-            </a:stretch>
-          </p:blipFill>
-          <p:spPr>
-            <a:xfrm rot="2200091">
-              <a:off x="1426238" y="2198477"/>
-              <a:ext cx="248883" cy="251080"/>
-            </a:xfrm>
-            <a:prstGeom prst="rect">
-              <a:avLst/>
-            </a:prstGeom>
-          </p:spPr>
-        </p:pic>
-        <p:pic>
-          <p:nvPicPr>
-            <p:cNvPr id="7" name="Picture 7"/>
-            <p:cNvPicPr>
-              <a:picLocks noChangeAspect="1"/>
-            </p:cNvPicPr>
-            <p:nvPr/>
-          </p:nvPicPr>
-          <p:blipFill>
-            <a:blip r:embed="rId6"/>
-            <a:srcRect l="26783" t="8571" r="29360" b="31948"/>
-            <a:stretch>
-              <a:fillRect/>
-            </a:stretch>
-          </p:blipFill>
-          <p:spPr>
-            <a:xfrm>
-              <a:off x="453596" y="2539740"/>
-              <a:ext cx="415085" cy="332399"/>
-            </a:xfrm>
-            <a:prstGeom prst="rect">
-              <a:avLst/>
-            </a:prstGeom>
-          </p:spPr>
-        </p:pic>
         <p:sp>
           <p:nvSpPr>
             <p:cNvPr id="8" name="TextBox 8"/>
@@ -3775,6 +3765,13 @@
               <a:tailEnd type="none" w="sm" len="sm"/>
             </a:ln>
           </p:spPr>
+          <p:txBody>
+            <a:bodyPr/>
+            <a:lstStyle/>
+            <a:p>
+              <a:endParaRPr lang="en-US"/>
+            </a:p>
+          </p:txBody>
         </p:sp>
         <p:sp>
           <p:nvSpPr>
@@ -3799,8 +3796,62 @@
               <a:tailEnd type="none" w="sm" len="sm"/>
             </a:ln>
           </p:spPr>
+          <p:txBody>
+            <a:bodyPr/>
+            <a:lstStyle/>
+            <a:p>
+              <a:endParaRPr lang="en-US"/>
+            </a:p>
+          </p:txBody>
         </p:sp>
       </p:grpSp>
+      <p:pic>
+        <p:nvPicPr>
+          <p:cNvPr id="12" name="Picture 2" descr="AAU - Viden for verden - Aalborg Universitet">
+            <a:extLst>
+              <a:ext uri="{FF2B5EF4-FFF2-40B4-BE49-F238E27FC236}">
+                <a16:creationId xmlns:a16="http://schemas.microsoft.com/office/drawing/2014/main" id="{2A0AE017-9CC6-47A7-62D5-9E2F4BCAABE1}"/>
+              </a:ext>
+            </a:extLst>
+          </p:cNvPr>
+          <p:cNvPicPr>
+            <a:picLocks noChangeAspect="1" noChangeArrowheads="1"/>
+          </p:cNvPicPr>
+          <p:nvPr/>
+        </p:nvPicPr>
+        <p:blipFill>
+          <a:blip r:embed="rId6">
+            <a:extLst>
+              <a:ext uri="{28A0092B-C50C-407E-A947-70E740481C1C}">
+                <a14:useLocalDpi xmlns:a14="http://schemas.microsoft.com/office/drawing/2010/main" val="0"/>
+              </a:ext>
+            </a:extLst>
+          </a:blip>
+          <a:srcRect/>
+          <a:stretch>
+            <a:fillRect/>
+          </a:stretch>
+        </p:blipFill>
+        <p:spPr bwMode="auto">
+          <a:xfrm>
+            <a:off x="550192" y="2551590"/>
+            <a:ext cx="303090" cy="303090"/>
+          </a:xfrm>
+          <a:prstGeom prst="rect">
+            <a:avLst/>
+          </a:prstGeom>
+          <a:noFill/>
+          <a:extLst>
+            <a:ext uri="{909E8E84-426E-40DD-AFC4-6F175D3DCCD1}">
+              <a14:hiddenFill xmlns:a14="http://schemas.microsoft.com/office/drawing/2010/main">
+                <a:solidFill>
+                  <a:srgbClr val="FFFFFF"/>
+                </a:solidFill>
+              </a14:hiddenFill>
+            </a:ext>
+          </a:extLst>
+        </p:spPr>
+      </p:pic>
     </p:spTree>
     <p:extLst>
       <p:ext uri="{BB962C8B-B14F-4D97-AF65-F5344CB8AC3E}">
@@ -4138,6 +4189,13 @@
               <a:tailEnd type="none" w="sm" len="sm"/>
             </a:ln>
           </p:spPr>
+          <p:txBody>
+            <a:bodyPr/>
+            <a:lstStyle/>
+            <a:p>
+              <a:endParaRPr lang="en-US"/>
+            </a:p>
+          </p:txBody>
         </p:sp>
         <p:sp>
           <p:nvSpPr>
@@ -4162,6 +4220,13 @@
               <a:tailEnd type="none" w="sm" len="sm"/>
             </a:ln>
           </p:spPr>
+          <p:txBody>
+            <a:bodyPr/>
+            <a:lstStyle/>
+            <a:p>
+              <a:endParaRPr lang="en-US"/>
+            </a:p>
+          </p:txBody>
         </p:sp>
         <p:pic>
           <p:nvPicPr>
@@ -4546,6 +4611,13 @@
               <a:tailEnd type="none" w="sm" len="sm"/>
             </a:ln>
           </p:spPr>
+          <p:txBody>
+            <a:bodyPr/>
+            <a:lstStyle/>
+            <a:p>
+              <a:endParaRPr lang="en-US"/>
+            </a:p>
+          </p:txBody>
         </p:sp>
         <p:sp>
           <p:nvSpPr>
@@ -4570,6 +4642,13 @@
               <a:tailEnd type="none" w="sm" len="sm"/>
             </a:ln>
           </p:spPr>
+          <p:txBody>
+            <a:bodyPr/>
+            <a:lstStyle/>
+            <a:p>
+              <a:endParaRPr lang="en-US"/>
+            </a:p>
+          </p:txBody>
         </p:sp>
         <p:pic>
           <p:nvPicPr>
